--- a/ppt 16-9/1568.一道江河.pptx
+++ b/ppt 16-9/1568.一道江河.pptx
@@ -129,7 +129,7 @@
           <p:cNvPr id="2" name="标题 1">
             <a:extLst>
               <a:ext uri="{FF2B5EF4-FFF2-40B4-BE49-F238E27FC236}">
-                <a16:creationId xmlns:a16="http://schemas.microsoft.com/office/drawing/2014/main" id="{1E0C6EBF-AB2F-F740-0B89-C25DD1F4AFC0}"/>
+                <a16:creationId xmlns:a16="http://schemas.microsoft.com/office/drawing/2014/main" id="{C1505C63-C72E-EDE1-06FF-1987B50CA74D}"/>
               </a:ext>
             </a:extLst>
           </p:cNvPr>
@@ -166,7 +166,7 @@
           <p:cNvPr id="3" name="副标题 2">
             <a:extLst>
               <a:ext uri="{FF2B5EF4-FFF2-40B4-BE49-F238E27FC236}">
-                <a16:creationId xmlns:a16="http://schemas.microsoft.com/office/drawing/2014/main" id="{9AD2209E-55A8-8DF2-8B05-D48B1CF2A4A4}"/>
+                <a16:creationId xmlns:a16="http://schemas.microsoft.com/office/drawing/2014/main" id="{4B38200A-A6D0-AEE5-B3EE-8950715EFA42}"/>
               </a:ext>
             </a:extLst>
           </p:cNvPr>
@@ -236,7 +236,7 @@
           <p:cNvPr id="4" name="日期占位符 3">
             <a:extLst>
               <a:ext uri="{FF2B5EF4-FFF2-40B4-BE49-F238E27FC236}">
-                <a16:creationId xmlns:a16="http://schemas.microsoft.com/office/drawing/2014/main" id="{220F0B69-21CE-9F23-7894-F11EC40FCC9A}"/>
+                <a16:creationId xmlns:a16="http://schemas.microsoft.com/office/drawing/2014/main" id="{665BD42B-FE32-708D-094C-F85404014255}"/>
               </a:ext>
             </a:extLst>
           </p:cNvPr>
@@ -252,7 +252,7 @@
           <a:bodyPr/>
           <a:lstStyle/>
           <a:p>
-            <a:fld id="{EC49B9D6-721B-4E71-A174-0D3D01F3DD66}" type="datetimeFigureOut">
+            <a:fld id="{EB07D9CB-293C-4DC4-B477-615332B7F865}" type="datetimeFigureOut">
               <a:rPr lang="zh-CN" altLang="en-US" smtClean="0"/>
               <a:t>2024/3/10</a:t>
             </a:fld>
@@ -265,7 +265,7 @@
           <p:cNvPr id="5" name="页脚占位符 4">
             <a:extLst>
               <a:ext uri="{FF2B5EF4-FFF2-40B4-BE49-F238E27FC236}">
-                <a16:creationId xmlns:a16="http://schemas.microsoft.com/office/drawing/2014/main" id="{C890ABF3-A788-1A6A-8D85-7B943591F2E5}"/>
+                <a16:creationId xmlns:a16="http://schemas.microsoft.com/office/drawing/2014/main" id="{D30B50CD-886C-BD49-6DC2-13D5405742D2}"/>
               </a:ext>
             </a:extLst>
           </p:cNvPr>
@@ -290,7 +290,7 @@
           <p:cNvPr id="6" name="灯片编号占位符 5">
             <a:extLst>
               <a:ext uri="{FF2B5EF4-FFF2-40B4-BE49-F238E27FC236}">
-                <a16:creationId xmlns:a16="http://schemas.microsoft.com/office/drawing/2014/main" id="{2C7067F6-1ABB-862B-EED2-6B5724C71380}"/>
+                <a16:creationId xmlns:a16="http://schemas.microsoft.com/office/drawing/2014/main" id="{B0C4C90C-B91F-B3F6-0D95-4CEF44F4407B}"/>
               </a:ext>
             </a:extLst>
           </p:cNvPr>
@@ -306,7 +306,7 @@
           <a:bodyPr/>
           <a:lstStyle/>
           <a:p>
-            <a:fld id="{978BC94E-A283-4052-9CD3-601CDFD48449}" type="slidenum">
+            <a:fld id="{7DC28CDE-409D-48D1-8BB4-05DA785BA454}" type="slidenum">
               <a:rPr lang="zh-CN" altLang="en-US" smtClean="0"/>
               <a:t>‹#›</a:t>
             </a:fld>
@@ -317,7 +317,7 @@
     </p:spTree>
     <p:extLst>
       <p:ext uri="{BB962C8B-B14F-4D97-AF65-F5344CB8AC3E}">
-        <p14:creationId xmlns:p14="http://schemas.microsoft.com/office/powerpoint/2010/main" val="578555860"/>
+        <p14:creationId xmlns:p14="http://schemas.microsoft.com/office/powerpoint/2010/main" val="486793405"/>
       </p:ext>
     </p:extLst>
   </p:cSld>
@@ -349,7 +349,7 @@
           <p:cNvPr id="2" name="标题 1">
             <a:extLst>
               <a:ext uri="{FF2B5EF4-FFF2-40B4-BE49-F238E27FC236}">
-                <a16:creationId xmlns:a16="http://schemas.microsoft.com/office/drawing/2014/main" id="{57F66C47-7933-D519-157A-2BD5D4B1EAA2}"/>
+                <a16:creationId xmlns:a16="http://schemas.microsoft.com/office/drawing/2014/main" id="{37120D4C-0ECF-6B26-4DC1-D6AF61512472}"/>
               </a:ext>
             </a:extLst>
           </p:cNvPr>
@@ -377,7 +377,7 @@
           <p:cNvPr id="3" name="竖排文字占位符 2">
             <a:extLst>
               <a:ext uri="{FF2B5EF4-FFF2-40B4-BE49-F238E27FC236}">
-                <a16:creationId xmlns:a16="http://schemas.microsoft.com/office/drawing/2014/main" id="{4439ACB3-C49C-AA6A-CC99-12C0BCE4F8B3}"/>
+                <a16:creationId xmlns:a16="http://schemas.microsoft.com/office/drawing/2014/main" id="{A663BCBA-1D0F-FB4C-ECBE-3AC9471FD48D}"/>
               </a:ext>
             </a:extLst>
           </p:cNvPr>
@@ -434,7 +434,7 @@
           <p:cNvPr id="4" name="日期占位符 3">
             <a:extLst>
               <a:ext uri="{FF2B5EF4-FFF2-40B4-BE49-F238E27FC236}">
-                <a16:creationId xmlns:a16="http://schemas.microsoft.com/office/drawing/2014/main" id="{805D4397-1A8A-AADE-979F-654D552CFE1B}"/>
+                <a16:creationId xmlns:a16="http://schemas.microsoft.com/office/drawing/2014/main" id="{EF114C1A-5158-CFD6-9BEC-2EA7FBDAB44B}"/>
               </a:ext>
             </a:extLst>
           </p:cNvPr>
@@ -450,7 +450,7 @@
           <a:bodyPr/>
           <a:lstStyle/>
           <a:p>
-            <a:fld id="{EC49B9D6-721B-4E71-A174-0D3D01F3DD66}" type="datetimeFigureOut">
+            <a:fld id="{EB07D9CB-293C-4DC4-B477-615332B7F865}" type="datetimeFigureOut">
               <a:rPr lang="zh-CN" altLang="en-US" smtClean="0"/>
               <a:t>2024/3/10</a:t>
             </a:fld>
@@ -463,7 +463,7 @@
           <p:cNvPr id="5" name="页脚占位符 4">
             <a:extLst>
               <a:ext uri="{FF2B5EF4-FFF2-40B4-BE49-F238E27FC236}">
-                <a16:creationId xmlns:a16="http://schemas.microsoft.com/office/drawing/2014/main" id="{65479B7D-1A34-EF95-2AB2-01BCA803C0E1}"/>
+                <a16:creationId xmlns:a16="http://schemas.microsoft.com/office/drawing/2014/main" id="{7F88C6DA-BFC6-98F1-456F-EE143FC51558}"/>
               </a:ext>
             </a:extLst>
           </p:cNvPr>
@@ -488,7 +488,7 @@
           <p:cNvPr id="6" name="灯片编号占位符 5">
             <a:extLst>
               <a:ext uri="{FF2B5EF4-FFF2-40B4-BE49-F238E27FC236}">
-                <a16:creationId xmlns:a16="http://schemas.microsoft.com/office/drawing/2014/main" id="{4CB30AA4-3987-9954-D7F2-3681C179B24D}"/>
+                <a16:creationId xmlns:a16="http://schemas.microsoft.com/office/drawing/2014/main" id="{F27B28D4-E6EC-3632-7656-645D0874700B}"/>
               </a:ext>
             </a:extLst>
           </p:cNvPr>
@@ -504,7 +504,7 @@
           <a:bodyPr/>
           <a:lstStyle/>
           <a:p>
-            <a:fld id="{978BC94E-A283-4052-9CD3-601CDFD48449}" type="slidenum">
+            <a:fld id="{7DC28CDE-409D-48D1-8BB4-05DA785BA454}" type="slidenum">
               <a:rPr lang="zh-CN" altLang="en-US" smtClean="0"/>
               <a:t>‹#›</a:t>
             </a:fld>
@@ -515,7 +515,7 @@
     </p:spTree>
     <p:extLst>
       <p:ext uri="{BB962C8B-B14F-4D97-AF65-F5344CB8AC3E}">
-        <p14:creationId xmlns:p14="http://schemas.microsoft.com/office/powerpoint/2010/main" val="3066774629"/>
+        <p14:creationId xmlns:p14="http://schemas.microsoft.com/office/powerpoint/2010/main" val="1510797437"/>
       </p:ext>
     </p:extLst>
   </p:cSld>
@@ -547,7 +547,7 @@
           <p:cNvPr id="2" name="竖排标题 1">
             <a:extLst>
               <a:ext uri="{FF2B5EF4-FFF2-40B4-BE49-F238E27FC236}">
-                <a16:creationId xmlns:a16="http://schemas.microsoft.com/office/drawing/2014/main" id="{9D5EA457-A44F-6D31-B055-637F96094F56}"/>
+                <a16:creationId xmlns:a16="http://schemas.microsoft.com/office/drawing/2014/main" id="{63E64873-58D3-E447-1DE6-FD0AE3D5DAD1}"/>
               </a:ext>
             </a:extLst>
           </p:cNvPr>
@@ -580,7 +580,7 @@
           <p:cNvPr id="3" name="竖排文字占位符 2">
             <a:extLst>
               <a:ext uri="{FF2B5EF4-FFF2-40B4-BE49-F238E27FC236}">
-                <a16:creationId xmlns:a16="http://schemas.microsoft.com/office/drawing/2014/main" id="{54ECD66D-ED72-8AAE-A81D-493ABAE3F3FB}"/>
+                <a16:creationId xmlns:a16="http://schemas.microsoft.com/office/drawing/2014/main" id="{5DF1DE89-2F7A-6C54-8333-CF249072E36B}"/>
               </a:ext>
             </a:extLst>
           </p:cNvPr>
@@ -642,7 +642,7 @@
           <p:cNvPr id="4" name="日期占位符 3">
             <a:extLst>
               <a:ext uri="{FF2B5EF4-FFF2-40B4-BE49-F238E27FC236}">
-                <a16:creationId xmlns:a16="http://schemas.microsoft.com/office/drawing/2014/main" id="{E7BE10B6-EFDC-2E83-EEBB-3ECEE97D48C4}"/>
+                <a16:creationId xmlns:a16="http://schemas.microsoft.com/office/drawing/2014/main" id="{06D11448-F537-1CA4-193F-6B2772F8E317}"/>
               </a:ext>
             </a:extLst>
           </p:cNvPr>
@@ -658,7 +658,7 @@
           <a:bodyPr/>
           <a:lstStyle/>
           <a:p>
-            <a:fld id="{EC49B9D6-721B-4E71-A174-0D3D01F3DD66}" type="datetimeFigureOut">
+            <a:fld id="{EB07D9CB-293C-4DC4-B477-615332B7F865}" type="datetimeFigureOut">
               <a:rPr lang="zh-CN" altLang="en-US" smtClean="0"/>
               <a:t>2024/3/10</a:t>
             </a:fld>
@@ -671,7 +671,7 @@
           <p:cNvPr id="5" name="页脚占位符 4">
             <a:extLst>
               <a:ext uri="{FF2B5EF4-FFF2-40B4-BE49-F238E27FC236}">
-                <a16:creationId xmlns:a16="http://schemas.microsoft.com/office/drawing/2014/main" id="{D05F7C9D-7288-F709-1880-40DE1EA4642B}"/>
+                <a16:creationId xmlns:a16="http://schemas.microsoft.com/office/drawing/2014/main" id="{871F100A-3B73-7B2D-C301-4A52D8F43B67}"/>
               </a:ext>
             </a:extLst>
           </p:cNvPr>
@@ -696,7 +696,7 @@
           <p:cNvPr id="6" name="灯片编号占位符 5">
             <a:extLst>
               <a:ext uri="{FF2B5EF4-FFF2-40B4-BE49-F238E27FC236}">
-                <a16:creationId xmlns:a16="http://schemas.microsoft.com/office/drawing/2014/main" id="{61D6DCCE-E43E-28EC-E9B7-BC80C8132919}"/>
+                <a16:creationId xmlns:a16="http://schemas.microsoft.com/office/drawing/2014/main" id="{9CF9F357-8E89-B5CD-A7ED-1F01EDD71B45}"/>
               </a:ext>
             </a:extLst>
           </p:cNvPr>
@@ -712,7 +712,7 @@
           <a:bodyPr/>
           <a:lstStyle/>
           <a:p>
-            <a:fld id="{978BC94E-A283-4052-9CD3-601CDFD48449}" type="slidenum">
+            <a:fld id="{7DC28CDE-409D-48D1-8BB4-05DA785BA454}" type="slidenum">
               <a:rPr lang="zh-CN" altLang="en-US" smtClean="0"/>
               <a:t>‹#›</a:t>
             </a:fld>
@@ -723,7 +723,7 @@
     </p:spTree>
     <p:extLst>
       <p:ext uri="{BB962C8B-B14F-4D97-AF65-F5344CB8AC3E}">
-        <p14:creationId xmlns:p14="http://schemas.microsoft.com/office/powerpoint/2010/main" val="3634388817"/>
+        <p14:creationId xmlns:p14="http://schemas.microsoft.com/office/powerpoint/2010/main" val="2003215035"/>
       </p:ext>
     </p:extLst>
   </p:cSld>
@@ -755,7 +755,7 @@
           <p:cNvPr id="2" name="标题 1">
             <a:extLst>
               <a:ext uri="{FF2B5EF4-FFF2-40B4-BE49-F238E27FC236}">
-                <a16:creationId xmlns:a16="http://schemas.microsoft.com/office/drawing/2014/main" id="{4FCA68F6-1146-091D-7DD5-3396428FEB92}"/>
+                <a16:creationId xmlns:a16="http://schemas.microsoft.com/office/drawing/2014/main" id="{F4962084-D593-BB97-4B86-E9E4469483E4}"/>
               </a:ext>
             </a:extLst>
           </p:cNvPr>
@@ -783,7 +783,7 @@
           <p:cNvPr id="3" name="内容占位符 2">
             <a:extLst>
               <a:ext uri="{FF2B5EF4-FFF2-40B4-BE49-F238E27FC236}">
-                <a16:creationId xmlns:a16="http://schemas.microsoft.com/office/drawing/2014/main" id="{6955DA61-9F76-C79E-4C9E-F05FEC9EE039}"/>
+                <a16:creationId xmlns:a16="http://schemas.microsoft.com/office/drawing/2014/main" id="{E9E5409B-BAB1-F75E-ECDC-B9CFD5F92D43}"/>
               </a:ext>
             </a:extLst>
           </p:cNvPr>
@@ -840,7 +840,7 @@
           <p:cNvPr id="4" name="日期占位符 3">
             <a:extLst>
               <a:ext uri="{FF2B5EF4-FFF2-40B4-BE49-F238E27FC236}">
-                <a16:creationId xmlns:a16="http://schemas.microsoft.com/office/drawing/2014/main" id="{B765E86C-989F-77A5-B085-65C216BF7A97}"/>
+                <a16:creationId xmlns:a16="http://schemas.microsoft.com/office/drawing/2014/main" id="{E767DA75-E84E-BE54-9D39-5031221FC5A4}"/>
               </a:ext>
             </a:extLst>
           </p:cNvPr>
@@ -856,7 +856,7 @@
           <a:bodyPr/>
           <a:lstStyle/>
           <a:p>
-            <a:fld id="{EC49B9D6-721B-4E71-A174-0D3D01F3DD66}" type="datetimeFigureOut">
+            <a:fld id="{EB07D9CB-293C-4DC4-B477-615332B7F865}" type="datetimeFigureOut">
               <a:rPr lang="zh-CN" altLang="en-US" smtClean="0"/>
               <a:t>2024/3/10</a:t>
             </a:fld>
@@ -869,7 +869,7 @@
           <p:cNvPr id="5" name="页脚占位符 4">
             <a:extLst>
               <a:ext uri="{FF2B5EF4-FFF2-40B4-BE49-F238E27FC236}">
-                <a16:creationId xmlns:a16="http://schemas.microsoft.com/office/drawing/2014/main" id="{9349B3AD-4A16-7BD6-E5EB-A66B07871435}"/>
+                <a16:creationId xmlns:a16="http://schemas.microsoft.com/office/drawing/2014/main" id="{F8477FC3-6711-4EF8-BF4C-C1FD154D09A2}"/>
               </a:ext>
             </a:extLst>
           </p:cNvPr>
@@ -894,7 +894,7 @@
           <p:cNvPr id="6" name="灯片编号占位符 5">
             <a:extLst>
               <a:ext uri="{FF2B5EF4-FFF2-40B4-BE49-F238E27FC236}">
-                <a16:creationId xmlns:a16="http://schemas.microsoft.com/office/drawing/2014/main" id="{CE823660-9CE8-105C-4D7E-315ECDFCD440}"/>
+                <a16:creationId xmlns:a16="http://schemas.microsoft.com/office/drawing/2014/main" id="{6AC1186B-FCCB-94F1-68D6-3DCE69C36327}"/>
               </a:ext>
             </a:extLst>
           </p:cNvPr>
@@ -910,7 +910,7 @@
           <a:bodyPr/>
           <a:lstStyle/>
           <a:p>
-            <a:fld id="{978BC94E-A283-4052-9CD3-601CDFD48449}" type="slidenum">
+            <a:fld id="{7DC28CDE-409D-48D1-8BB4-05DA785BA454}" type="slidenum">
               <a:rPr lang="zh-CN" altLang="en-US" smtClean="0"/>
               <a:t>‹#›</a:t>
             </a:fld>
@@ -921,7 +921,7 @@
     </p:spTree>
     <p:extLst>
       <p:ext uri="{BB962C8B-B14F-4D97-AF65-F5344CB8AC3E}">
-        <p14:creationId xmlns:p14="http://schemas.microsoft.com/office/powerpoint/2010/main" val="1362007039"/>
+        <p14:creationId xmlns:p14="http://schemas.microsoft.com/office/powerpoint/2010/main" val="2644167861"/>
       </p:ext>
     </p:extLst>
   </p:cSld>
@@ -953,7 +953,7 @@
           <p:cNvPr id="2" name="标题 1">
             <a:extLst>
               <a:ext uri="{FF2B5EF4-FFF2-40B4-BE49-F238E27FC236}">
-                <a16:creationId xmlns:a16="http://schemas.microsoft.com/office/drawing/2014/main" id="{934BAC8D-F9F4-5254-9AB1-347AD1B2C6F7}"/>
+                <a16:creationId xmlns:a16="http://schemas.microsoft.com/office/drawing/2014/main" id="{290D69B0-5D45-3750-8069-71648E51A3DC}"/>
               </a:ext>
             </a:extLst>
           </p:cNvPr>
@@ -990,7 +990,7 @@
           <p:cNvPr id="3" name="文本占位符 2">
             <a:extLst>
               <a:ext uri="{FF2B5EF4-FFF2-40B4-BE49-F238E27FC236}">
-                <a16:creationId xmlns:a16="http://schemas.microsoft.com/office/drawing/2014/main" id="{70742207-7F76-4635-EA62-B0127FB3C8C9}"/>
+                <a16:creationId xmlns:a16="http://schemas.microsoft.com/office/drawing/2014/main" id="{05D03678-16EA-BA8C-C8BB-EEBD9B31D513}"/>
               </a:ext>
             </a:extLst>
           </p:cNvPr>
@@ -1115,7 +1115,7 @@
           <p:cNvPr id="4" name="日期占位符 3">
             <a:extLst>
               <a:ext uri="{FF2B5EF4-FFF2-40B4-BE49-F238E27FC236}">
-                <a16:creationId xmlns:a16="http://schemas.microsoft.com/office/drawing/2014/main" id="{C4A218BA-85DD-4782-CD9A-9F56A9F15972}"/>
+                <a16:creationId xmlns:a16="http://schemas.microsoft.com/office/drawing/2014/main" id="{7F351FB6-4A44-50D9-A7E2-97583F5E816C}"/>
               </a:ext>
             </a:extLst>
           </p:cNvPr>
@@ -1131,7 +1131,7 @@
           <a:bodyPr/>
           <a:lstStyle/>
           <a:p>
-            <a:fld id="{EC49B9D6-721B-4E71-A174-0D3D01F3DD66}" type="datetimeFigureOut">
+            <a:fld id="{EB07D9CB-293C-4DC4-B477-615332B7F865}" type="datetimeFigureOut">
               <a:rPr lang="zh-CN" altLang="en-US" smtClean="0"/>
               <a:t>2024/3/10</a:t>
             </a:fld>
@@ -1144,7 +1144,7 @@
           <p:cNvPr id="5" name="页脚占位符 4">
             <a:extLst>
               <a:ext uri="{FF2B5EF4-FFF2-40B4-BE49-F238E27FC236}">
-                <a16:creationId xmlns:a16="http://schemas.microsoft.com/office/drawing/2014/main" id="{5BA76D0E-908D-D3AA-0BC6-4D086A738C2F}"/>
+                <a16:creationId xmlns:a16="http://schemas.microsoft.com/office/drawing/2014/main" id="{8275FD93-B4E3-6A04-14AA-813087226733}"/>
               </a:ext>
             </a:extLst>
           </p:cNvPr>
@@ -1169,7 +1169,7 @@
           <p:cNvPr id="6" name="灯片编号占位符 5">
             <a:extLst>
               <a:ext uri="{FF2B5EF4-FFF2-40B4-BE49-F238E27FC236}">
-                <a16:creationId xmlns:a16="http://schemas.microsoft.com/office/drawing/2014/main" id="{59A7A3F5-5BD9-E69D-1ED5-846262EFBD95}"/>
+                <a16:creationId xmlns:a16="http://schemas.microsoft.com/office/drawing/2014/main" id="{C453ED29-B880-59A5-0268-E9F5E17BA311}"/>
               </a:ext>
             </a:extLst>
           </p:cNvPr>
@@ -1185,7 +1185,7 @@
           <a:bodyPr/>
           <a:lstStyle/>
           <a:p>
-            <a:fld id="{978BC94E-A283-4052-9CD3-601CDFD48449}" type="slidenum">
+            <a:fld id="{7DC28CDE-409D-48D1-8BB4-05DA785BA454}" type="slidenum">
               <a:rPr lang="zh-CN" altLang="en-US" smtClean="0"/>
               <a:t>‹#›</a:t>
             </a:fld>
@@ -1196,7 +1196,7 @@
     </p:spTree>
     <p:extLst>
       <p:ext uri="{BB962C8B-B14F-4D97-AF65-F5344CB8AC3E}">
-        <p14:creationId xmlns:p14="http://schemas.microsoft.com/office/powerpoint/2010/main" val="527231696"/>
+        <p14:creationId xmlns:p14="http://schemas.microsoft.com/office/powerpoint/2010/main" val="316515015"/>
       </p:ext>
     </p:extLst>
   </p:cSld>
@@ -1228,7 +1228,7 @@
           <p:cNvPr id="2" name="标题 1">
             <a:extLst>
               <a:ext uri="{FF2B5EF4-FFF2-40B4-BE49-F238E27FC236}">
-                <a16:creationId xmlns:a16="http://schemas.microsoft.com/office/drawing/2014/main" id="{82DF97B8-B015-E5D9-E9C8-9448A8EFEA8B}"/>
+                <a16:creationId xmlns:a16="http://schemas.microsoft.com/office/drawing/2014/main" id="{354B997E-78BA-D69B-5C0C-92F78B9A3C8C}"/>
               </a:ext>
             </a:extLst>
           </p:cNvPr>
@@ -1256,7 +1256,7 @@
           <p:cNvPr id="3" name="内容占位符 2">
             <a:extLst>
               <a:ext uri="{FF2B5EF4-FFF2-40B4-BE49-F238E27FC236}">
-                <a16:creationId xmlns:a16="http://schemas.microsoft.com/office/drawing/2014/main" id="{CDD517C7-A905-EF19-31CF-B59C57D1CB86}"/>
+                <a16:creationId xmlns:a16="http://schemas.microsoft.com/office/drawing/2014/main" id="{E9DAAE79-AA51-2BD1-EF30-B3651D0CEDEE}"/>
               </a:ext>
             </a:extLst>
           </p:cNvPr>
@@ -1318,7 +1318,7 @@
           <p:cNvPr id="4" name="内容占位符 3">
             <a:extLst>
               <a:ext uri="{FF2B5EF4-FFF2-40B4-BE49-F238E27FC236}">
-                <a16:creationId xmlns:a16="http://schemas.microsoft.com/office/drawing/2014/main" id="{C8A5810A-8197-5DD2-7042-C6B355F3690B}"/>
+                <a16:creationId xmlns:a16="http://schemas.microsoft.com/office/drawing/2014/main" id="{6D98A9D3-77B8-E240-FCD5-446A36847109}"/>
               </a:ext>
             </a:extLst>
           </p:cNvPr>
@@ -1380,7 +1380,7 @@
           <p:cNvPr id="5" name="日期占位符 4">
             <a:extLst>
               <a:ext uri="{FF2B5EF4-FFF2-40B4-BE49-F238E27FC236}">
-                <a16:creationId xmlns:a16="http://schemas.microsoft.com/office/drawing/2014/main" id="{D67CAE4E-B95D-47DF-2247-EDC4E1E2A5AD}"/>
+                <a16:creationId xmlns:a16="http://schemas.microsoft.com/office/drawing/2014/main" id="{68553907-45D0-31E8-63BF-0185D4F2FDB4}"/>
               </a:ext>
             </a:extLst>
           </p:cNvPr>
@@ -1396,7 +1396,7 @@
           <a:bodyPr/>
           <a:lstStyle/>
           <a:p>
-            <a:fld id="{EC49B9D6-721B-4E71-A174-0D3D01F3DD66}" type="datetimeFigureOut">
+            <a:fld id="{EB07D9CB-293C-4DC4-B477-615332B7F865}" type="datetimeFigureOut">
               <a:rPr lang="zh-CN" altLang="en-US" smtClean="0"/>
               <a:t>2024/3/10</a:t>
             </a:fld>
@@ -1409,7 +1409,7 @@
           <p:cNvPr id="6" name="页脚占位符 5">
             <a:extLst>
               <a:ext uri="{FF2B5EF4-FFF2-40B4-BE49-F238E27FC236}">
-                <a16:creationId xmlns:a16="http://schemas.microsoft.com/office/drawing/2014/main" id="{B4D8AC38-3134-2834-5562-1F244C19F979}"/>
+                <a16:creationId xmlns:a16="http://schemas.microsoft.com/office/drawing/2014/main" id="{115645DB-128F-BC75-DED8-353A85E29CE7}"/>
               </a:ext>
             </a:extLst>
           </p:cNvPr>
@@ -1434,7 +1434,7 @@
           <p:cNvPr id="7" name="灯片编号占位符 6">
             <a:extLst>
               <a:ext uri="{FF2B5EF4-FFF2-40B4-BE49-F238E27FC236}">
-                <a16:creationId xmlns:a16="http://schemas.microsoft.com/office/drawing/2014/main" id="{F860766B-DD9D-4BCD-5F3C-BAE700E2A3B4}"/>
+                <a16:creationId xmlns:a16="http://schemas.microsoft.com/office/drawing/2014/main" id="{01209D5B-B8BA-CF01-863C-C2CCBCB08A2A}"/>
               </a:ext>
             </a:extLst>
           </p:cNvPr>
@@ -1450,7 +1450,7 @@
           <a:bodyPr/>
           <a:lstStyle/>
           <a:p>
-            <a:fld id="{978BC94E-A283-4052-9CD3-601CDFD48449}" type="slidenum">
+            <a:fld id="{7DC28CDE-409D-48D1-8BB4-05DA785BA454}" type="slidenum">
               <a:rPr lang="zh-CN" altLang="en-US" smtClean="0"/>
               <a:t>‹#›</a:t>
             </a:fld>
@@ -1461,7 +1461,7 @@
     </p:spTree>
     <p:extLst>
       <p:ext uri="{BB962C8B-B14F-4D97-AF65-F5344CB8AC3E}">
-        <p14:creationId xmlns:p14="http://schemas.microsoft.com/office/powerpoint/2010/main" val="3003729433"/>
+        <p14:creationId xmlns:p14="http://schemas.microsoft.com/office/powerpoint/2010/main" val="1517836988"/>
       </p:ext>
     </p:extLst>
   </p:cSld>
@@ -1493,7 +1493,7 @@
           <p:cNvPr id="2" name="标题 1">
             <a:extLst>
               <a:ext uri="{FF2B5EF4-FFF2-40B4-BE49-F238E27FC236}">
-                <a16:creationId xmlns:a16="http://schemas.microsoft.com/office/drawing/2014/main" id="{C53A39BC-59DC-0FB8-32C2-A3429F13303A}"/>
+                <a16:creationId xmlns:a16="http://schemas.microsoft.com/office/drawing/2014/main" id="{198D1CBA-20C1-3C6C-1FDA-FBBEB6793FCC}"/>
               </a:ext>
             </a:extLst>
           </p:cNvPr>
@@ -1526,7 +1526,7 @@
           <p:cNvPr id="3" name="文本占位符 2">
             <a:extLst>
               <a:ext uri="{FF2B5EF4-FFF2-40B4-BE49-F238E27FC236}">
-                <a16:creationId xmlns:a16="http://schemas.microsoft.com/office/drawing/2014/main" id="{C58165DC-2C77-F638-9354-93069C013F2F}"/>
+                <a16:creationId xmlns:a16="http://schemas.microsoft.com/office/drawing/2014/main" id="{1AFDAD2D-4516-AEAA-3DAE-4DAF73A95657}"/>
               </a:ext>
             </a:extLst>
           </p:cNvPr>
@@ -1597,7 +1597,7 @@
           <p:cNvPr id="4" name="内容占位符 3">
             <a:extLst>
               <a:ext uri="{FF2B5EF4-FFF2-40B4-BE49-F238E27FC236}">
-                <a16:creationId xmlns:a16="http://schemas.microsoft.com/office/drawing/2014/main" id="{13121834-8252-B652-464E-BFBA894C20D8}"/>
+                <a16:creationId xmlns:a16="http://schemas.microsoft.com/office/drawing/2014/main" id="{9C2FA31B-60ED-8619-7A17-5369628AEC02}"/>
               </a:ext>
             </a:extLst>
           </p:cNvPr>
@@ -1659,7 +1659,7 @@
           <p:cNvPr id="5" name="文本占位符 4">
             <a:extLst>
               <a:ext uri="{FF2B5EF4-FFF2-40B4-BE49-F238E27FC236}">
-                <a16:creationId xmlns:a16="http://schemas.microsoft.com/office/drawing/2014/main" id="{2556F9AD-BAC3-07B8-A27D-2C0459E1A8DD}"/>
+                <a16:creationId xmlns:a16="http://schemas.microsoft.com/office/drawing/2014/main" id="{FFF7B0D7-2883-0D96-D719-0B03C862F77E}"/>
               </a:ext>
             </a:extLst>
           </p:cNvPr>
@@ -1730,7 +1730,7 @@
           <p:cNvPr id="6" name="内容占位符 5">
             <a:extLst>
               <a:ext uri="{FF2B5EF4-FFF2-40B4-BE49-F238E27FC236}">
-                <a16:creationId xmlns:a16="http://schemas.microsoft.com/office/drawing/2014/main" id="{AF48FF29-ABCA-3D8C-4A46-E2A5E1BBC885}"/>
+                <a16:creationId xmlns:a16="http://schemas.microsoft.com/office/drawing/2014/main" id="{627A13B4-2484-5907-157C-A87925675B62}"/>
               </a:ext>
             </a:extLst>
           </p:cNvPr>
@@ -1792,7 +1792,7 @@
           <p:cNvPr id="7" name="日期占位符 6">
             <a:extLst>
               <a:ext uri="{FF2B5EF4-FFF2-40B4-BE49-F238E27FC236}">
-                <a16:creationId xmlns:a16="http://schemas.microsoft.com/office/drawing/2014/main" id="{292C601E-EC46-9CC7-FB59-574240EBE4E6}"/>
+                <a16:creationId xmlns:a16="http://schemas.microsoft.com/office/drawing/2014/main" id="{9D8630DD-7600-11A9-C0F0-EA356DC1094F}"/>
               </a:ext>
             </a:extLst>
           </p:cNvPr>
@@ -1808,7 +1808,7 @@
           <a:bodyPr/>
           <a:lstStyle/>
           <a:p>
-            <a:fld id="{EC49B9D6-721B-4E71-A174-0D3D01F3DD66}" type="datetimeFigureOut">
+            <a:fld id="{EB07D9CB-293C-4DC4-B477-615332B7F865}" type="datetimeFigureOut">
               <a:rPr lang="zh-CN" altLang="en-US" smtClean="0"/>
               <a:t>2024/3/10</a:t>
             </a:fld>
@@ -1821,7 +1821,7 @@
           <p:cNvPr id="8" name="页脚占位符 7">
             <a:extLst>
               <a:ext uri="{FF2B5EF4-FFF2-40B4-BE49-F238E27FC236}">
-                <a16:creationId xmlns:a16="http://schemas.microsoft.com/office/drawing/2014/main" id="{6211B6A5-28AB-7416-8F7F-80FC6BD119A1}"/>
+                <a16:creationId xmlns:a16="http://schemas.microsoft.com/office/drawing/2014/main" id="{E684BCEC-A53D-A008-F0EC-84CAF3AE3069}"/>
               </a:ext>
             </a:extLst>
           </p:cNvPr>
@@ -1846,7 +1846,7 @@
           <p:cNvPr id="9" name="灯片编号占位符 8">
             <a:extLst>
               <a:ext uri="{FF2B5EF4-FFF2-40B4-BE49-F238E27FC236}">
-                <a16:creationId xmlns:a16="http://schemas.microsoft.com/office/drawing/2014/main" id="{22E5F07B-5ACE-49F8-8DE0-69534BEDE330}"/>
+                <a16:creationId xmlns:a16="http://schemas.microsoft.com/office/drawing/2014/main" id="{AEED423D-8FC2-6159-2923-3365BD63751A}"/>
               </a:ext>
             </a:extLst>
           </p:cNvPr>
@@ -1862,7 +1862,7 @@
           <a:bodyPr/>
           <a:lstStyle/>
           <a:p>
-            <a:fld id="{978BC94E-A283-4052-9CD3-601CDFD48449}" type="slidenum">
+            <a:fld id="{7DC28CDE-409D-48D1-8BB4-05DA785BA454}" type="slidenum">
               <a:rPr lang="zh-CN" altLang="en-US" smtClean="0"/>
               <a:t>‹#›</a:t>
             </a:fld>
@@ -1873,7 +1873,7 @@
     </p:spTree>
     <p:extLst>
       <p:ext uri="{BB962C8B-B14F-4D97-AF65-F5344CB8AC3E}">
-        <p14:creationId xmlns:p14="http://schemas.microsoft.com/office/powerpoint/2010/main" val="1938399561"/>
+        <p14:creationId xmlns:p14="http://schemas.microsoft.com/office/powerpoint/2010/main" val="2703719170"/>
       </p:ext>
     </p:extLst>
   </p:cSld>
@@ -1905,7 +1905,7 @@
           <p:cNvPr id="2" name="标题 1">
             <a:extLst>
               <a:ext uri="{FF2B5EF4-FFF2-40B4-BE49-F238E27FC236}">
-                <a16:creationId xmlns:a16="http://schemas.microsoft.com/office/drawing/2014/main" id="{FE175571-D930-83EF-8AF2-AF8D8FD2FF16}"/>
+                <a16:creationId xmlns:a16="http://schemas.microsoft.com/office/drawing/2014/main" id="{D001E7FD-C84F-E352-5FA3-94A761726E74}"/>
               </a:ext>
             </a:extLst>
           </p:cNvPr>
@@ -1933,7 +1933,7 @@
           <p:cNvPr id="3" name="日期占位符 2">
             <a:extLst>
               <a:ext uri="{FF2B5EF4-FFF2-40B4-BE49-F238E27FC236}">
-                <a16:creationId xmlns:a16="http://schemas.microsoft.com/office/drawing/2014/main" id="{C8C6824C-E8DD-515E-DC68-4028A6DC7655}"/>
+                <a16:creationId xmlns:a16="http://schemas.microsoft.com/office/drawing/2014/main" id="{63032F37-9BE9-2E98-C12B-83CD25C6EE53}"/>
               </a:ext>
             </a:extLst>
           </p:cNvPr>
@@ -1949,7 +1949,7 @@
           <a:bodyPr/>
           <a:lstStyle/>
           <a:p>
-            <a:fld id="{EC49B9D6-721B-4E71-A174-0D3D01F3DD66}" type="datetimeFigureOut">
+            <a:fld id="{EB07D9CB-293C-4DC4-B477-615332B7F865}" type="datetimeFigureOut">
               <a:rPr lang="zh-CN" altLang="en-US" smtClean="0"/>
               <a:t>2024/3/10</a:t>
             </a:fld>
@@ -1962,7 +1962,7 @@
           <p:cNvPr id="4" name="页脚占位符 3">
             <a:extLst>
               <a:ext uri="{FF2B5EF4-FFF2-40B4-BE49-F238E27FC236}">
-                <a16:creationId xmlns:a16="http://schemas.microsoft.com/office/drawing/2014/main" id="{CB530CFD-1869-BE08-3D45-887F374EE87A}"/>
+                <a16:creationId xmlns:a16="http://schemas.microsoft.com/office/drawing/2014/main" id="{5DC98FD3-5A20-0AF9-3AB0-406A48DC44A1}"/>
               </a:ext>
             </a:extLst>
           </p:cNvPr>
@@ -1987,7 +1987,7 @@
           <p:cNvPr id="5" name="灯片编号占位符 4">
             <a:extLst>
               <a:ext uri="{FF2B5EF4-FFF2-40B4-BE49-F238E27FC236}">
-                <a16:creationId xmlns:a16="http://schemas.microsoft.com/office/drawing/2014/main" id="{041110C5-2435-0FF3-246E-AF3D15064F2A}"/>
+                <a16:creationId xmlns:a16="http://schemas.microsoft.com/office/drawing/2014/main" id="{4FC98F61-5413-7105-BA8A-71757AB00321}"/>
               </a:ext>
             </a:extLst>
           </p:cNvPr>
@@ -2003,7 +2003,7 @@
           <a:bodyPr/>
           <a:lstStyle/>
           <a:p>
-            <a:fld id="{978BC94E-A283-4052-9CD3-601CDFD48449}" type="slidenum">
+            <a:fld id="{7DC28CDE-409D-48D1-8BB4-05DA785BA454}" type="slidenum">
               <a:rPr lang="zh-CN" altLang="en-US" smtClean="0"/>
               <a:t>‹#›</a:t>
             </a:fld>
@@ -2014,7 +2014,7 @@
     </p:spTree>
     <p:extLst>
       <p:ext uri="{BB962C8B-B14F-4D97-AF65-F5344CB8AC3E}">
-        <p14:creationId xmlns:p14="http://schemas.microsoft.com/office/powerpoint/2010/main" val="3469566973"/>
+        <p14:creationId xmlns:p14="http://schemas.microsoft.com/office/powerpoint/2010/main" val="230889997"/>
       </p:ext>
     </p:extLst>
   </p:cSld>
@@ -2046,7 +2046,7 @@
           <p:cNvPr id="2" name="日期占位符 1">
             <a:extLst>
               <a:ext uri="{FF2B5EF4-FFF2-40B4-BE49-F238E27FC236}">
-                <a16:creationId xmlns:a16="http://schemas.microsoft.com/office/drawing/2014/main" id="{2727E5AF-FC13-AD2D-EFC6-F1290A545113}"/>
+                <a16:creationId xmlns:a16="http://schemas.microsoft.com/office/drawing/2014/main" id="{D153043E-DB0A-88EE-86B8-1898160F9DCD}"/>
               </a:ext>
             </a:extLst>
           </p:cNvPr>
@@ -2062,7 +2062,7 @@
           <a:bodyPr/>
           <a:lstStyle/>
           <a:p>
-            <a:fld id="{EC49B9D6-721B-4E71-A174-0D3D01F3DD66}" type="datetimeFigureOut">
+            <a:fld id="{EB07D9CB-293C-4DC4-B477-615332B7F865}" type="datetimeFigureOut">
               <a:rPr lang="zh-CN" altLang="en-US" smtClean="0"/>
               <a:t>2024/3/10</a:t>
             </a:fld>
@@ -2075,7 +2075,7 @@
           <p:cNvPr id="3" name="页脚占位符 2">
             <a:extLst>
               <a:ext uri="{FF2B5EF4-FFF2-40B4-BE49-F238E27FC236}">
-                <a16:creationId xmlns:a16="http://schemas.microsoft.com/office/drawing/2014/main" id="{5C716079-6F86-976C-8537-89C24A0FFCB4}"/>
+                <a16:creationId xmlns:a16="http://schemas.microsoft.com/office/drawing/2014/main" id="{9E09F347-D09E-30A7-AD9B-54B0A73798C9}"/>
               </a:ext>
             </a:extLst>
           </p:cNvPr>
@@ -2100,7 +2100,7 @@
           <p:cNvPr id="4" name="灯片编号占位符 3">
             <a:extLst>
               <a:ext uri="{FF2B5EF4-FFF2-40B4-BE49-F238E27FC236}">
-                <a16:creationId xmlns:a16="http://schemas.microsoft.com/office/drawing/2014/main" id="{901AE88E-D01A-EE96-1BC7-564FE663F6EE}"/>
+                <a16:creationId xmlns:a16="http://schemas.microsoft.com/office/drawing/2014/main" id="{95E6999F-BFD9-A270-1D66-BC86F43905CA}"/>
               </a:ext>
             </a:extLst>
           </p:cNvPr>
@@ -2116,7 +2116,7 @@
           <a:bodyPr/>
           <a:lstStyle/>
           <a:p>
-            <a:fld id="{978BC94E-A283-4052-9CD3-601CDFD48449}" type="slidenum">
+            <a:fld id="{7DC28CDE-409D-48D1-8BB4-05DA785BA454}" type="slidenum">
               <a:rPr lang="zh-CN" altLang="en-US" smtClean="0"/>
               <a:t>‹#›</a:t>
             </a:fld>
@@ -2127,7 +2127,7 @@
     </p:spTree>
     <p:extLst>
       <p:ext uri="{BB962C8B-B14F-4D97-AF65-F5344CB8AC3E}">
-        <p14:creationId xmlns:p14="http://schemas.microsoft.com/office/powerpoint/2010/main" val="1722945925"/>
+        <p14:creationId xmlns:p14="http://schemas.microsoft.com/office/powerpoint/2010/main" val="2829346294"/>
       </p:ext>
     </p:extLst>
   </p:cSld>
@@ -2159,7 +2159,7 @@
           <p:cNvPr id="2" name="标题 1">
             <a:extLst>
               <a:ext uri="{FF2B5EF4-FFF2-40B4-BE49-F238E27FC236}">
-                <a16:creationId xmlns:a16="http://schemas.microsoft.com/office/drawing/2014/main" id="{14B6C137-A276-380D-0B5E-B5639745C6E0}"/>
+                <a16:creationId xmlns:a16="http://schemas.microsoft.com/office/drawing/2014/main" id="{B6D25A65-8C09-DD08-0B88-A51BC9DD46DF}"/>
               </a:ext>
             </a:extLst>
           </p:cNvPr>
@@ -2196,7 +2196,7 @@
           <p:cNvPr id="3" name="内容占位符 2">
             <a:extLst>
               <a:ext uri="{FF2B5EF4-FFF2-40B4-BE49-F238E27FC236}">
-                <a16:creationId xmlns:a16="http://schemas.microsoft.com/office/drawing/2014/main" id="{B3EBC73E-3024-AE72-BC32-38DBC3ACFF30}"/>
+                <a16:creationId xmlns:a16="http://schemas.microsoft.com/office/drawing/2014/main" id="{B3933196-8E7D-BB64-0D57-2B0684E1F273}"/>
               </a:ext>
             </a:extLst>
           </p:cNvPr>
@@ -2286,7 +2286,7 @@
           <p:cNvPr id="4" name="文本占位符 3">
             <a:extLst>
               <a:ext uri="{FF2B5EF4-FFF2-40B4-BE49-F238E27FC236}">
-                <a16:creationId xmlns:a16="http://schemas.microsoft.com/office/drawing/2014/main" id="{9B7717CA-02FA-D82D-0394-8561785C36FC}"/>
+                <a16:creationId xmlns:a16="http://schemas.microsoft.com/office/drawing/2014/main" id="{D564D50D-9998-E96E-2C85-FCD8E568A61F}"/>
               </a:ext>
             </a:extLst>
           </p:cNvPr>
@@ -2357,7 +2357,7 @@
           <p:cNvPr id="5" name="日期占位符 4">
             <a:extLst>
               <a:ext uri="{FF2B5EF4-FFF2-40B4-BE49-F238E27FC236}">
-                <a16:creationId xmlns:a16="http://schemas.microsoft.com/office/drawing/2014/main" id="{05639C3F-D896-CC93-486D-515C3AEB3769}"/>
+                <a16:creationId xmlns:a16="http://schemas.microsoft.com/office/drawing/2014/main" id="{72216979-4936-D073-ED9C-669A2C388DF7}"/>
               </a:ext>
             </a:extLst>
           </p:cNvPr>
@@ -2373,7 +2373,7 @@
           <a:bodyPr/>
           <a:lstStyle/>
           <a:p>
-            <a:fld id="{EC49B9D6-721B-4E71-A174-0D3D01F3DD66}" type="datetimeFigureOut">
+            <a:fld id="{EB07D9CB-293C-4DC4-B477-615332B7F865}" type="datetimeFigureOut">
               <a:rPr lang="zh-CN" altLang="en-US" smtClean="0"/>
               <a:t>2024/3/10</a:t>
             </a:fld>
@@ -2386,7 +2386,7 @@
           <p:cNvPr id="6" name="页脚占位符 5">
             <a:extLst>
               <a:ext uri="{FF2B5EF4-FFF2-40B4-BE49-F238E27FC236}">
-                <a16:creationId xmlns:a16="http://schemas.microsoft.com/office/drawing/2014/main" id="{B3A512DB-E509-DAC7-F24B-614B52BFCCFB}"/>
+                <a16:creationId xmlns:a16="http://schemas.microsoft.com/office/drawing/2014/main" id="{AF1493A4-F6DC-D6ED-2F88-F39B8F6355A7}"/>
               </a:ext>
             </a:extLst>
           </p:cNvPr>
@@ -2411,7 +2411,7 @@
           <p:cNvPr id="7" name="灯片编号占位符 6">
             <a:extLst>
               <a:ext uri="{FF2B5EF4-FFF2-40B4-BE49-F238E27FC236}">
-                <a16:creationId xmlns:a16="http://schemas.microsoft.com/office/drawing/2014/main" id="{E66076D9-CA58-0D9F-B2ED-3C9EB596B404}"/>
+                <a16:creationId xmlns:a16="http://schemas.microsoft.com/office/drawing/2014/main" id="{47ADEFFE-FFD3-370B-0276-D2D816A8440C}"/>
               </a:ext>
             </a:extLst>
           </p:cNvPr>
@@ -2427,7 +2427,7 @@
           <a:bodyPr/>
           <a:lstStyle/>
           <a:p>
-            <a:fld id="{978BC94E-A283-4052-9CD3-601CDFD48449}" type="slidenum">
+            <a:fld id="{7DC28CDE-409D-48D1-8BB4-05DA785BA454}" type="slidenum">
               <a:rPr lang="zh-CN" altLang="en-US" smtClean="0"/>
               <a:t>‹#›</a:t>
             </a:fld>
@@ -2438,7 +2438,7 @@
     </p:spTree>
     <p:extLst>
       <p:ext uri="{BB962C8B-B14F-4D97-AF65-F5344CB8AC3E}">
-        <p14:creationId xmlns:p14="http://schemas.microsoft.com/office/powerpoint/2010/main" val="54088324"/>
+        <p14:creationId xmlns:p14="http://schemas.microsoft.com/office/powerpoint/2010/main" val="16514291"/>
       </p:ext>
     </p:extLst>
   </p:cSld>
@@ -2470,7 +2470,7 @@
           <p:cNvPr id="2" name="标题 1">
             <a:extLst>
               <a:ext uri="{FF2B5EF4-FFF2-40B4-BE49-F238E27FC236}">
-                <a16:creationId xmlns:a16="http://schemas.microsoft.com/office/drawing/2014/main" id="{25DFDCE3-ACBA-C40F-1D59-3D43328E7B2E}"/>
+                <a16:creationId xmlns:a16="http://schemas.microsoft.com/office/drawing/2014/main" id="{5FE81DA2-BD4A-9D94-0F06-F148B7D7A9B3}"/>
               </a:ext>
             </a:extLst>
           </p:cNvPr>
@@ -2507,7 +2507,7 @@
           <p:cNvPr id="3" name="图片占位符 2">
             <a:extLst>
               <a:ext uri="{FF2B5EF4-FFF2-40B4-BE49-F238E27FC236}">
-                <a16:creationId xmlns:a16="http://schemas.microsoft.com/office/drawing/2014/main" id="{0B2F8B2A-9B8F-9AD4-183F-6D7A46F2F2EA}"/>
+                <a16:creationId xmlns:a16="http://schemas.microsoft.com/office/drawing/2014/main" id="{75960702-F63C-2442-7F42-260F5539F938}"/>
               </a:ext>
             </a:extLst>
           </p:cNvPr>
@@ -2574,7 +2574,7 @@
           <p:cNvPr id="4" name="文本占位符 3">
             <a:extLst>
               <a:ext uri="{FF2B5EF4-FFF2-40B4-BE49-F238E27FC236}">
-                <a16:creationId xmlns:a16="http://schemas.microsoft.com/office/drawing/2014/main" id="{4B081981-D664-FCE5-5C05-C9DA1B9397A4}"/>
+                <a16:creationId xmlns:a16="http://schemas.microsoft.com/office/drawing/2014/main" id="{D027A175-9498-1DEE-B6B5-2065601637EB}"/>
               </a:ext>
             </a:extLst>
           </p:cNvPr>
@@ -2645,7 +2645,7 @@
           <p:cNvPr id="5" name="日期占位符 4">
             <a:extLst>
               <a:ext uri="{FF2B5EF4-FFF2-40B4-BE49-F238E27FC236}">
-                <a16:creationId xmlns:a16="http://schemas.microsoft.com/office/drawing/2014/main" id="{FBEDF3E1-2484-458D-42F3-60EC6AA62DE3}"/>
+                <a16:creationId xmlns:a16="http://schemas.microsoft.com/office/drawing/2014/main" id="{5848F277-796F-ED01-03AF-3EC1A00774B4}"/>
               </a:ext>
             </a:extLst>
           </p:cNvPr>
@@ -2661,7 +2661,7 @@
           <a:bodyPr/>
           <a:lstStyle/>
           <a:p>
-            <a:fld id="{EC49B9D6-721B-4E71-A174-0D3D01F3DD66}" type="datetimeFigureOut">
+            <a:fld id="{EB07D9CB-293C-4DC4-B477-615332B7F865}" type="datetimeFigureOut">
               <a:rPr lang="zh-CN" altLang="en-US" smtClean="0"/>
               <a:t>2024/3/10</a:t>
             </a:fld>
@@ -2674,7 +2674,7 @@
           <p:cNvPr id="6" name="页脚占位符 5">
             <a:extLst>
               <a:ext uri="{FF2B5EF4-FFF2-40B4-BE49-F238E27FC236}">
-                <a16:creationId xmlns:a16="http://schemas.microsoft.com/office/drawing/2014/main" id="{06FF9FAB-7E02-DD32-ACCA-E2BBD97C0996}"/>
+                <a16:creationId xmlns:a16="http://schemas.microsoft.com/office/drawing/2014/main" id="{F7284A66-7BDA-C01C-A491-A3DBD824F1B4}"/>
               </a:ext>
             </a:extLst>
           </p:cNvPr>
@@ -2699,7 +2699,7 @@
           <p:cNvPr id="7" name="灯片编号占位符 6">
             <a:extLst>
               <a:ext uri="{FF2B5EF4-FFF2-40B4-BE49-F238E27FC236}">
-                <a16:creationId xmlns:a16="http://schemas.microsoft.com/office/drawing/2014/main" id="{A1EF17CF-7625-C6DA-4109-E65A6036B1CE}"/>
+                <a16:creationId xmlns:a16="http://schemas.microsoft.com/office/drawing/2014/main" id="{44DA1C41-3EC4-9F25-9805-FAAC50431922}"/>
               </a:ext>
             </a:extLst>
           </p:cNvPr>
@@ -2715,7 +2715,7 @@
           <a:bodyPr/>
           <a:lstStyle/>
           <a:p>
-            <a:fld id="{978BC94E-A283-4052-9CD3-601CDFD48449}" type="slidenum">
+            <a:fld id="{7DC28CDE-409D-48D1-8BB4-05DA785BA454}" type="slidenum">
               <a:rPr lang="zh-CN" altLang="en-US" smtClean="0"/>
               <a:t>‹#›</a:t>
             </a:fld>
@@ -2726,7 +2726,7 @@
     </p:spTree>
     <p:extLst>
       <p:ext uri="{BB962C8B-B14F-4D97-AF65-F5344CB8AC3E}">
-        <p14:creationId xmlns:p14="http://schemas.microsoft.com/office/powerpoint/2010/main" val="4021697859"/>
+        <p14:creationId xmlns:p14="http://schemas.microsoft.com/office/powerpoint/2010/main" val="192909122"/>
       </p:ext>
     </p:extLst>
   </p:cSld>
@@ -2763,7 +2763,7 @@
           <p:cNvPr id="2" name="标题占位符 1">
             <a:extLst>
               <a:ext uri="{FF2B5EF4-FFF2-40B4-BE49-F238E27FC236}">
-                <a16:creationId xmlns:a16="http://schemas.microsoft.com/office/drawing/2014/main" id="{6750CD39-433B-FB67-AD6B-3E2ED96A2E61}"/>
+                <a16:creationId xmlns:a16="http://schemas.microsoft.com/office/drawing/2014/main" id="{4672AF8E-890A-2551-7DBD-296732F1E32C}"/>
               </a:ext>
             </a:extLst>
           </p:cNvPr>
@@ -2801,7 +2801,7 @@
           <p:cNvPr id="3" name="文本占位符 2">
             <a:extLst>
               <a:ext uri="{FF2B5EF4-FFF2-40B4-BE49-F238E27FC236}">
-                <a16:creationId xmlns:a16="http://schemas.microsoft.com/office/drawing/2014/main" id="{3A24F7E3-1088-4B36-989D-AB151303831C}"/>
+                <a16:creationId xmlns:a16="http://schemas.microsoft.com/office/drawing/2014/main" id="{8AFB940A-0ED5-96C4-6894-8DE3C541E002}"/>
               </a:ext>
             </a:extLst>
           </p:cNvPr>
@@ -2868,7 +2868,7 @@
           <p:cNvPr id="4" name="日期占位符 3">
             <a:extLst>
               <a:ext uri="{FF2B5EF4-FFF2-40B4-BE49-F238E27FC236}">
-                <a16:creationId xmlns:a16="http://schemas.microsoft.com/office/drawing/2014/main" id="{9CAD1538-C9BC-8EFC-5DF5-8A596FA3A701}"/>
+                <a16:creationId xmlns:a16="http://schemas.microsoft.com/office/drawing/2014/main" id="{C7703EC0-C016-BFB8-DE4C-02251DBE04B3}"/>
               </a:ext>
             </a:extLst>
           </p:cNvPr>
@@ -2902,7 +2902,7 @@
             </a:lvl1pPr>
           </a:lstStyle>
           <a:p>
-            <a:fld id="{EC49B9D6-721B-4E71-A174-0D3D01F3DD66}" type="datetimeFigureOut">
+            <a:fld id="{EB07D9CB-293C-4DC4-B477-615332B7F865}" type="datetimeFigureOut">
               <a:rPr lang="zh-CN" altLang="en-US" smtClean="0"/>
               <a:t>2024/3/10</a:t>
             </a:fld>
@@ -2915,7 +2915,7 @@
           <p:cNvPr id="5" name="页脚占位符 4">
             <a:extLst>
               <a:ext uri="{FF2B5EF4-FFF2-40B4-BE49-F238E27FC236}">
-                <a16:creationId xmlns:a16="http://schemas.microsoft.com/office/drawing/2014/main" id="{DA5B5F5A-43EE-DE9B-0DE9-78AB02C08A53}"/>
+                <a16:creationId xmlns:a16="http://schemas.microsoft.com/office/drawing/2014/main" id="{B8E3DCFF-B23C-2226-5B2A-2F9EE4D9D464}"/>
               </a:ext>
             </a:extLst>
           </p:cNvPr>
@@ -2958,7 +2958,7 @@
           <p:cNvPr id="6" name="灯片编号占位符 5">
             <a:extLst>
               <a:ext uri="{FF2B5EF4-FFF2-40B4-BE49-F238E27FC236}">
-                <a16:creationId xmlns:a16="http://schemas.microsoft.com/office/drawing/2014/main" id="{FCC2F27E-29CA-6163-8941-FDCC5AB5F737}"/>
+                <a16:creationId xmlns:a16="http://schemas.microsoft.com/office/drawing/2014/main" id="{8AFE33B4-7999-B553-E724-CAD6A9EF2B88}"/>
               </a:ext>
             </a:extLst>
           </p:cNvPr>
@@ -2992,7 +2992,7 @@
             </a:lvl1pPr>
           </a:lstStyle>
           <a:p>
-            <a:fld id="{978BC94E-A283-4052-9CD3-601CDFD48449}" type="slidenum">
+            <a:fld id="{7DC28CDE-409D-48D1-8BB4-05DA785BA454}" type="slidenum">
               <a:rPr lang="zh-CN" altLang="en-US" smtClean="0"/>
               <a:t>‹#›</a:t>
             </a:fld>
@@ -3003,7 +3003,7 @@
     </p:spTree>
     <p:extLst>
       <p:ext uri="{BB962C8B-B14F-4D97-AF65-F5344CB8AC3E}">
-        <p14:creationId xmlns:p14="http://schemas.microsoft.com/office/powerpoint/2010/main" val="2771304999"/>
+        <p14:creationId xmlns:p14="http://schemas.microsoft.com/office/powerpoint/2010/main" val="4182658193"/>
       </p:ext>
     </p:extLst>
   </p:cSld>
